--- a/ppts/gamma-functionality-overview.pptx
+++ b/ppts/gamma-functionality-overview.pptx
@@ -224,7 +224,7 @@
           <a:p>
             <a:fld id="{D320DF98-73A7-40A6-8A84-2EB5B4F2C4CC}" type="datetimeFigureOut">
               <a:rPr lang="hu-HU" smtClean="0"/>
-              <a:t>2021. 10. 20.</a:t>
+              <a:t>2021. 10. 28.</a:t>
             </a:fld>
             <a:endParaRPr lang="hu-HU"/>
           </a:p>
@@ -390,7 +390,7 @@
             <a:fld id="{B9130191-0BE1-0142-AFC1-0297AE024A0E}" type="datetimeFigureOut">
               <a:rPr lang="en-US" smtClean="0"/>
               <a:pPr/>
-              <a:t>10/20/2021</a:t>
+              <a:t>10/28/2021</a:t>
             </a:fld>
             <a:endParaRPr lang="en-US"/>
           </a:p>
@@ -5442,7 +5442,7 @@
           </a:solidFill>
           <a:ln w="19050">
             <a:solidFill>
-              <a:schemeClr val="tx1"/>
+              <a:srgbClr val="FF0000"/>
             </a:solidFill>
           </a:ln>
           <a:effectLst/>
@@ -6229,7 +6229,7 @@
           </a:solidFill>
           <a:ln w="19050">
             <a:solidFill>
-              <a:srgbClr val="FF0000"/>
+              <a:schemeClr val="tx1"/>
             </a:solidFill>
           </a:ln>
           <a:effectLst/>
@@ -6408,7 +6408,7 @@
           </a:solidFill>
           <a:ln w="19050">
             <a:solidFill>
-              <a:srgbClr val="FF0000"/>
+              <a:schemeClr val="tx1"/>
             </a:solidFill>
           </a:ln>
           <a:effectLst/>
@@ -8124,7 +8124,7 @@
           </a:prstGeom>
           <a:ln w="19050">
             <a:solidFill>
-              <a:schemeClr val="tx1"/>
+              <a:srgbClr val="FF0000"/>
             </a:solidFill>
             <a:prstDash val="solid"/>
             <a:tailEnd type="triangle" w="lg" len="lg"/>
@@ -8173,7 +8173,7 @@
           </a:prstGeom>
           <a:ln w="19050">
             <a:solidFill>
-              <a:schemeClr val="tx1"/>
+              <a:srgbClr val="FF0000"/>
             </a:solidFill>
             <a:prstDash val="solid"/>
             <a:tailEnd type="triangle" w="lg" len="lg"/>
